--- a/Docs/Shen_poster_STARSII.pptx
+++ b/Docs/Shen_poster_STARSII.pptx
@@ -43510,7 +43510,7 @@
           <a:p>
             <a:fld id="{2857C562-4A18-794E-B1D4-77201B2076D7}" type="datetimeFigureOut">
               <a:rPr lang="en-US" smtClean="0"/>
-              <a:t>3/31/23</a:t>
+              <a:t>4/12/23</a:t>
             </a:fld>
             <a:endParaRPr lang="en-US"/>
           </a:p>
@@ -43824,6 +43824,12 @@
           <a:p>
             <a:r>
               <a:rPr lang="en-US" sz="4800" dirty="0"/>
+              <a:t>Edited 12 April after Allison and STARS session feedback</a:t>
+            </a:r>
+          </a:p>
+          <a:p>
+            <a:r>
+              <a:rPr lang="en-US" sz="4800" dirty="0"/>
               <a:t>Project Mentors: Prof. Bhattacharjee Abhishek, Dr. Raghavendra </a:t>
             </a:r>
             <a:r>
@@ -43840,7 +43846,7 @@
           </a:p>
           <a:p>
             <a:r>
-              <a:rPr lang="en-US" sz="4800"/>
+              <a:rPr lang="en-US" sz="4800" dirty="0"/>
               <a:t>Equations: 36</a:t>
             </a:r>
             <a:endParaRPr lang="en-US" dirty="0"/>
@@ -44014,7 +44020,7 @@
           <a:p>
             <a:fld id="{C32CC8B4-D982-5242-A5CB-BDA3DE311077}" type="datetimeFigureOut">
               <a:rPr lang="en-US" smtClean="0"/>
-              <a:t>3/31/23</a:t>
+              <a:t>4/12/23</a:t>
             </a:fld>
             <a:endParaRPr lang="en-US"/>
           </a:p>
@@ -44184,7 +44190,7 @@
           <a:p>
             <a:fld id="{C32CC8B4-D982-5242-A5CB-BDA3DE311077}" type="datetimeFigureOut">
               <a:rPr lang="en-US" smtClean="0"/>
-              <a:t>3/31/23</a:t>
+              <a:t>4/12/23</a:t>
             </a:fld>
             <a:endParaRPr lang="en-US"/>
           </a:p>
@@ -44364,7 +44370,7 @@
           <a:p>
             <a:fld id="{C32CC8B4-D982-5242-A5CB-BDA3DE311077}" type="datetimeFigureOut">
               <a:rPr lang="en-US" smtClean="0"/>
-              <a:t>3/31/23</a:t>
+              <a:t>4/12/23</a:t>
             </a:fld>
             <a:endParaRPr lang="en-US"/>
           </a:p>
@@ -44534,7 +44540,7 @@
           <a:p>
             <a:fld id="{C32CC8B4-D982-5242-A5CB-BDA3DE311077}" type="datetimeFigureOut">
               <a:rPr lang="en-US" smtClean="0"/>
-              <a:t>3/31/23</a:t>
+              <a:t>4/12/23</a:t>
             </a:fld>
             <a:endParaRPr lang="en-US"/>
           </a:p>
@@ -44778,7 +44784,7 @@
           <a:p>
             <a:fld id="{C32CC8B4-D982-5242-A5CB-BDA3DE311077}" type="datetimeFigureOut">
               <a:rPr lang="en-US" smtClean="0"/>
-              <a:t>3/31/23</a:t>
+              <a:t>4/12/23</a:t>
             </a:fld>
             <a:endParaRPr lang="en-US"/>
           </a:p>
@@ -45010,7 +45016,7 @@
           <a:p>
             <a:fld id="{C32CC8B4-D982-5242-A5CB-BDA3DE311077}" type="datetimeFigureOut">
               <a:rPr lang="en-US" smtClean="0"/>
-              <a:t>3/31/23</a:t>
+              <a:t>4/12/23</a:t>
             </a:fld>
             <a:endParaRPr lang="en-US"/>
           </a:p>
@@ -45377,7 +45383,7 @@
           <a:p>
             <a:fld id="{C32CC8B4-D982-5242-A5CB-BDA3DE311077}" type="datetimeFigureOut">
               <a:rPr lang="en-US" smtClean="0"/>
-              <a:t>3/31/23</a:t>
+              <a:t>4/12/23</a:t>
             </a:fld>
             <a:endParaRPr lang="en-US"/>
           </a:p>
@@ -45495,7 +45501,7 @@
           <a:p>
             <a:fld id="{C32CC8B4-D982-5242-A5CB-BDA3DE311077}" type="datetimeFigureOut">
               <a:rPr lang="en-US" smtClean="0"/>
-              <a:t>3/31/23</a:t>
+              <a:t>4/12/23</a:t>
             </a:fld>
             <a:endParaRPr lang="en-US"/>
           </a:p>
@@ -45590,7 +45596,7 @@
           <a:p>
             <a:fld id="{C32CC8B4-D982-5242-A5CB-BDA3DE311077}" type="datetimeFigureOut">
               <a:rPr lang="en-US" smtClean="0"/>
-              <a:t>3/31/23</a:t>
+              <a:t>4/12/23</a:t>
             </a:fld>
             <a:endParaRPr lang="en-US"/>
           </a:p>
@@ -45867,7 +45873,7 @@
           <a:p>
             <a:fld id="{C32CC8B4-D982-5242-A5CB-BDA3DE311077}" type="datetimeFigureOut">
               <a:rPr lang="en-US" smtClean="0"/>
-              <a:t>3/31/23</a:t>
+              <a:t>4/12/23</a:t>
             </a:fld>
             <a:endParaRPr lang="en-US"/>
           </a:p>
@@ -46124,7 +46130,7 @@
           <a:p>
             <a:fld id="{C32CC8B4-D982-5242-A5CB-BDA3DE311077}" type="datetimeFigureOut">
               <a:rPr lang="en-US" smtClean="0"/>
-              <a:t>3/31/23</a:t>
+              <a:t>4/12/23</a:t>
             </a:fld>
             <a:endParaRPr lang="en-US"/>
           </a:p>
@@ -46337,7 +46343,7 @@
           <a:p>
             <a:fld id="{C32CC8B4-D982-5242-A5CB-BDA3DE311077}" type="datetimeFigureOut">
               <a:rPr lang="en-US" smtClean="0"/>
-              <a:t>3/31/23</a:t>
+              <a:t>4/12/23</a:t>
             </a:fld>
             <a:endParaRPr lang="en-US"/>
           </a:p>
@@ -46982,6 +46988,20 @@
                   <a:schemeClr val="tx1"/>
                 </a:solidFill>
               </a:rPr>
+              <a:t>Quantum computers may solve certain computations much faster than classical electronic computers </a:t>
+            </a:r>
+          </a:p>
+          <a:p>
+            <a:pPr marL="571500" indent="-571500">
+              <a:buFont typeface="Arial" panose="020B0604020202020204" pitchFamily="34" charset="0"/>
+              <a:buChar char="•"/>
+            </a:pPr>
+            <a:r>
+              <a:rPr lang="en-US" sz="3600" dirty="0">
+                <a:solidFill>
+                  <a:schemeClr val="tx1"/>
+                </a:solidFill>
+              </a:rPr>
               <a:t>Quantum computers process information using ”quantum bits” (qubits) that can be in superposition</a:t>
             </a:r>
           </a:p>
@@ -46996,21 +47016,39 @@
                   <a:schemeClr val="tx1"/>
                 </a:solidFill>
               </a:rPr>
-              <a:t>Quantum computers may solve certain computations much faster than classical electronic computers </a:t>
+              <a:t>We are presently in the Near Term Intermediate Scale quantum era with </a:t>
             </a:r>
-          </a:p>
-          <a:p>
-            <a:pPr marL="571500" indent="-571500">
-              <a:buFont typeface="Arial" panose="020B0604020202020204" pitchFamily="34" charset="0"/>
-              <a:buChar char="•"/>
-            </a:pPr>
+            <a:r>
+              <a:rPr lang="en-US" sz="3600" i="1" dirty="0">
+                <a:solidFill>
+                  <a:schemeClr val="tx1"/>
+                </a:solidFill>
+              </a:rPr>
+              <a:t>noisy</a:t>
+            </a:r>
             <a:r>
               <a:rPr lang="en-US" sz="3600" dirty="0">
                 <a:solidFill>
                   <a:schemeClr val="tx1"/>
                 </a:solidFill>
               </a:rPr>
-              <a:t>We are presently in the Near Term Intermediate Scale quantum era with noisy and depth-limited quantum computers </a:t>
+              <a:t> and </a:t>
+            </a:r>
+            <a:r>
+              <a:rPr lang="en-US" sz="3600" i="1" dirty="0">
+                <a:solidFill>
+                  <a:schemeClr val="tx1"/>
+                </a:solidFill>
+              </a:rPr>
+              <a:t>depth-limited</a:t>
+            </a:r>
+            <a:r>
+              <a:rPr lang="en-US" sz="3600" dirty="0">
+                <a:solidFill>
+                  <a:schemeClr val="tx1"/>
+                </a:solidFill>
+              </a:rPr>
+              <a:t> quantum computers </a:t>
             </a:r>
             <a:r>
               <a:rPr lang="en-US" sz="3600" dirty="0">
@@ -47169,55 +47207,8 @@
         </p:blipFill>
         <p:spPr bwMode="auto">
           <a:xfrm>
-            <a:off x="18655478" y="25845874"/>
+            <a:off x="18953100" y="25861111"/>
             <a:ext cx="4755483" cy="3345111"/>
-          </a:xfrm>
-          <a:prstGeom prst="rect">
-            <a:avLst/>
-          </a:prstGeom>
-          <a:noFill/>
-          <a:extLst>
-            <a:ext uri="{909E8E84-426E-40DD-AFC4-6F175D3DCCD1}">
-              <a14:hiddenFill xmlns:a14="http://schemas.microsoft.com/office/drawing/2010/main">
-                <a:solidFill>
-                  <a:srgbClr val="FFFFFF"/>
-                </a:solidFill>
-              </a14:hiddenFill>
-            </a:ext>
-          </a:extLst>
-        </p:spPr>
-      </p:pic>
-      <p:pic>
-        <p:nvPicPr>
-          <p:cNvPr id="19" name="Picture 2">
-            <a:extLst>
-              <a:ext uri="{FF2B5EF4-FFF2-40B4-BE49-F238E27FC236}">
-                <a16:creationId xmlns:a16="http://schemas.microsoft.com/office/drawing/2014/main" id="{D4869C30-6F86-F640-BA9F-013C93201C9E}"/>
-              </a:ext>
-            </a:extLst>
-          </p:cNvPr>
-          <p:cNvPicPr>
-            <a:picLocks noChangeAspect="1" noChangeArrowheads="1"/>
-          </p:cNvPicPr>
-          <p:nvPr/>
-        </p:nvPicPr>
-        <p:blipFill>
-          <a:blip r:embed="rId5">
-            <a:extLst>
-              <a:ext uri="{28A0092B-C50C-407E-A947-70E740481C1C}">
-                <a14:useLocalDpi xmlns:a14="http://schemas.microsoft.com/office/drawing/2010/main" val="0"/>
-              </a:ext>
-            </a:extLst>
-          </a:blip>
-          <a:srcRect/>
-          <a:stretch>
-            <a:fillRect/>
-          </a:stretch>
-        </p:blipFill>
-        <p:spPr bwMode="auto">
-          <a:xfrm>
-            <a:off x="1040904" y="9469988"/>
-            <a:ext cx="12727127" cy="4620268"/>
           </a:xfrm>
           <a:prstGeom prst="rect">
             <a:avLst/>
@@ -47728,7 +47719,7 @@
         <p:spPr>
           <a:xfrm>
             <a:off x="15012149" y="14873978"/>
-            <a:ext cx="13304517" cy="2858582"/>
+            <a:ext cx="13304517" cy="3658946"/>
           </a:xfrm>
           <a:prstGeom prst="rect">
             <a:avLst/>
@@ -47874,7 +47865,7 @@
         </p:nvSpPr>
         <p:spPr>
           <a:xfrm>
-            <a:off x="15012149" y="18012558"/>
+            <a:off x="15012148" y="18637189"/>
             <a:ext cx="13304517" cy="2858582"/>
           </a:xfrm>
           <a:prstGeom prst="rect">
@@ -47955,7 +47946,7 @@
         </p:nvSpPr>
         <p:spPr>
           <a:xfrm>
-            <a:off x="15012148" y="21224648"/>
+            <a:off x="15012148" y="21919592"/>
             <a:ext cx="13304517" cy="2858582"/>
           </a:xfrm>
           <a:prstGeom prst="rect">
@@ -48048,7 +48039,7 @@
         </p:xfrm>
         <a:graphic>
           <a:graphicData uri="http://schemas.openxmlformats.org/drawingml/2006/chart">
-            <c:chart xmlns:c="http://schemas.openxmlformats.org/drawingml/2006/chart" xmlns:r="http://schemas.openxmlformats.org/officeDocument/2006/relationships" r:id="rId6"/>
+            <c:chart xmlns:c="http://schemas.openxmlformats.org/drawingml/2006/chart" xmlns:r="http://schemas.openxmlformats.org/officeDocument/2006/relationships" r:id="rId5"/>
           </a:graphicData>
         </a:graphic>
       </p:graphicFrame>
@@ -48067,7 +48058,7 @@
           <p:nvPr/>
         </p:nvPicPr>
         <p:blipFill>
-          <a:blip r:embed="rId7">
+          <a:blip r:embed="rId6">
             <a:extLst>
               <a:ext uri="{28A0092B-C50C-407E-A947-70E740481C1C}">
                 <a14:useLocalDpi xmlns:a14="http://schemas.microsoft.com/office/drawing/2010/main" val="0"/>
@@ -48081,7 +48072,7 @@
         </p:blipFill>
         <p:spPr bwMode="auto">
           <a:xfrm>
-            <a:off x="22722524" y="14940773"/>
+            <a:off x="22649372" y="15048347"/>
             <a:ext cx="5401321" cy="2204661"/>
           </a:xfrm>
           <a:prstGeom prst="rect">
@@ -48119,7 +48110,7 @@
           <p:nvPr/>
         </p:nvPicPr>
         <p:blipFill>
-          <a:blip r:embed="rId8">
+          <a:blip r:embed="rId7">
             <a:extLst>
               <a:ext uri="{28A0092B-C50C-407E-A947-70E740481C1C}">
                 <a14:useLocalDpi xmlns:a14="http://schemas.microsoft.com/office/drawing/2010/main" val="0"/>
@@ -48133,8 +48124,8 @@
         </p:blipFill>
         <p:spPr bwMode="auto">
           <a:xfrm>
-            <a:off x="14932391" y="25491037"/>
-            <a:ext cx="3658466" cy="3715186"/>
+            <a:off x="14932391" y="25655749"/>
+            <a:ext cx="3496268" cy="3550473"/>
           </a:xfrm>
           <a:prstGeom prst="rect">
             <a:avLst/>
@@ -48166,7 +48157,7 @@
           <p:nvPr/>
         </p:nvPicPr>
         <p:blipFill>
-          <a:blip r:embed="rId9">
+          <a:blip r:embed="rId8">
             <a:extLst>
               <a:ext uri="{28A0092B-C50C-407E-A947-70E740481C1C}">
                 <a14:useLocalDpi xmlns:a14="http://schemas.microsoft.com/office/drawing/2010/main" val="0"/>
@@ -48180,7 +48171,7 @@
         </p:blipFill>
         <p:spPr bwMode="auto">
           <a:xfrm>
-            <a:off x="24510395" y="22940065"/>
+            <a:off x="24510395" y="23635009"/>
             <a:ext cx="3516796" cy="732666"/>
           </a:xfrm>
           <a:prstGeom prst="rect">
@@ -48391,7 +48382,7 @@
           <p:nvPr/>
         </p:nvPicPr>
         <p:blipFill>
-          <a:blip r:embed="rId10">
+          <a:blip r:embed="rId9">
             <a:extLst>
               <a:ext uri="{28A0092B-C50C-407E-A947-70E740481C1C}">
                 <a14:useLocalDpi xmlns:a14="http://schemas.microsoft.com/office/drawing/2010/main" val="0"/>
@@ -48405,7 +48396,7 @@
         </p:blipFill>
         <p:spPr bwMode="auto">
           <a:xfrm>
-            <a:off x="24070301" y="25768787"/>
+            <a:off x="24088230" y="25715000"/>
             <a:ext cx="4778456" cy="3550473"/>
           </a:xfrm>
           <a:prstGeom prst="rect">
@@ -50306,7 +50297,8 @@
             <a:pPr algn="ctr"/>
             <a:r>
               <a:rPr lang="en-US" sz="3200" i="1" dirty="0">
-                <a:latin typeface="Times" pitchFamily="2" charset="0"/>
+                <a:latin typeface="Calibri" panose="020F0502020204030204" pitchFamily="34" charset="0"/>
+                <a:cs typeface="Calibri" panose="020F0502020204030204" pitchFamily="34" charset="0"/>
               </a:rPr>
               <a:t>Fig. 1. The VQE uses both quantum (blue) and classical (yellow) parts connected in feedback to minimize the measured value of a quantum wave state. </a:t>
             </a:r>
@@ -50327,8 +50319,8 @@
         </p:nvSpPr>
         <p:spPr>
           <a:xfrm>
-            <a:off x="22540065" y="17336007"/>
-            <a:ext cx="5776600" cy="954107"/>
+            <a:off x="22649371" y="17389794"/>
+            <a:ext cx="5401321" cy="954107"/>
           </a:xfrm>
           <a:prstGeom prst="rect">
             <a:avLst/>
@@ -50346,7 +50338,8 @@
             <a:pPr algn="ctr"/>
             <a:r>
               <a:rPr lang="en-US" sz="2800" i="1" dirty="0">
-                <a:latin typeface="Times" pitchFamily="2" charset="0"/>
+                <a:latin typeface="Calibri" panose="020F0502020204030204" pitchFamily="34" charset="0"/>
+                <a:cs typeface="Calibri" panose="020F0502020204030204" pitchFamily="34" charset="0"/>
               </a:rPr>
               <a:t>Fig. 5. An instance of “Hardware optimized” ansatz with four qubits.</a:t>
             </a:r>
@@ -50384,7 +50377,8 @@
             <a:pPr algn="ctr"/>
             <a:r>
               <a:rPr lang="en-US" sz="3200" i="1" dirty="0">
-                <a:latin typeface="Times" pitchFamily="2" charset="0"/>
+                <a:latin typeface="Calibri" panose="020F0502020204030204" pitchFamily="34" charset="0"/>
+                <a:cs typeface="Calibri" panose="020F0502020204030204" pitchFamily="34" charset="0"/>
               </a:rPr>
               <a:t>Fig. 4. An instance of “Ry-style” ansatz using two layers and four qubits, with CNOT entangling gates.</a:t>
             </a:r>
@@ -50422,7 +50416,8 @@
             <a:pPr algn="ctr"/>
             <a:r>
               <a:rPr lang="en-US" sz="3200" i="1" dirty="0">
-                <a:latin typeface="Times" pitchFamily="2" charset="0"/>
+                <a:latin typeface="Calibri" panose="020F0502020204030204" pitchFamily="34" charset="0"/>
+                <a:cs typeface="Calibri" panose="020F0502020204030204" pitchFamily="34" charset="0"/>
               </a:rPr>
               <a:t>Fig. 6. (L to R) Example cost function with full ansatz, the resultant ground and third energy states found (using SSVQE).</a:t>
             </a:r>
@@ -50559,7 +50554,8 @@
             <a:pPr algn="ctr"/>
             <a:r>
               <a:rPr lang="en-US" sz="3200" i="1" dirty="0">
-                <a:latin typeface="Times" pitchFamily="2" charset="0"/>
+                <a:latin typeface="Calibri" panose="020F0502020204030204" pitchFamily="34" charset="0"/>
+                <a:cs typeface="Calibri" panose="020F0502020204030204" pitchFamily="34" charset="0"/>
               </a:rPr>
               <a:t>Fig. 2. A basic one qubit quantum circuit has just two angles to optimize over.</a:t>
             </a:r>
@@ -50597,7 +50593,8 @@
             <a:pPr algn="ctr"/>
             <a:r>
               <a:rPr lang="en-US" sz="3200" i="1" dirty="0">
-                <a:latin typeface="Times" pitchFamily="2" charset="0"/>
+                <a:latin typeface="Calibri" panose="020F0502020204030204" pitchFamily="34" charset="0"/>
+                <a:cs typeface="Calibri" panose="020F0502020204030204" pitchFamily="34" charset="0"/>
               </a:rPr>
               <a:t>Fig. 3. At two qubits and beyond, quantum entanglement must be considered and circuit complexity increases. </a:t>
             </a:r>
@@ -50635,7 +50632,8 @@
             <a:pPr algn="ctr"/>
             <a:r>
               <a:rPr lang="en-US" sz="3200" i="1" dirty="0">
-                <a:latin typeface="Times" pitchFamily="2" charset="0"/>
+                <a:latin typeface="Calibri" panose="020F0502020204030204" pitchFamily="34" charset="0"/>
+                <a:cs typeface="Calibri" panose="020F0502020204030204" pitchFamily="34" charset="0"/>
               </a:rPr>
               <a:t>Fig. 7. A more aggressive classical optimizer tuning led to improved results for a low dimension problem but did not work as well with multiple qubits. </a:t>
             </a:r>
@@ -50673,13 +50671,44 @@
             <a:pPr algn="ctr"/>
             <a:r>
               <a:rPr lang="en-US" sz="3200" i="1" dirty="0">
-                <a:latin typeface="Times" pitchFamily="2" charset="0"/>
+                <a:latin typeface="Calibri" panose="020F0502020204030204" pitchFamily="34" charset="0"/>
+                <a:cs typeface="Calibri" panose="020F0502020204030204" pitchFamily="34" charset="0"/>
               </a:rPr>
               <a:t>Fig. 8. Cost functions for various optimizers had similar trends overall.</a:t>
             </a:r>
           </a:p>
         </p:txBody>
       </p:sp>
+      <p:pic>
+        <p:nvPicPr>
+          <p:cNvPr id="16" name="Picture 15">
+            <a:extLst>
+              <a:ext uri="{FF2B5EF4-FFF2-40B4-BE49-F238E27FC236}">
+                <a16:creationId xmlns:a16="http://schemas.microsoft.com/office/drawing/2014/main" id="{497A0431-65A4-768B-212E-20DB0CDA587D}"/>
+              </a:ext>
+            </a:extLst>
+          </p:cNvPr>
+          <p:cNvPicPr>
+            <a:picLocks noChangeAspect="1"/>
+          </p:cNvPicPr>
+          <p:nvPr/>
+        </p:nvPicPr>
+        <p:blipFill>
+          <a:blip r:embed="rId24"/>
+          <a:stretch>
+            <a:fillRect/>
+          </a:stretch>
+        </p:blipFill>
+        <p:spPr>
+          <a:xfrm>
+            <a:off x="982323" y="9638876"/>
+            <a:ext cx="12637620" cy="4481513"/>
+          </a:xfrm>
+          <a:prstGeom prst="rect">
+            <a:avLst/>
+          </a:prstGeom>
+        </p:spPr>
+      </p:pic>
     </p:spTree>
     <p:extLst>
       <p:ext uri="{BB962C8B-B14F-4D97-AF65-F5344CB8AC3E}">

--- a/Docs/Shen_poster_STARSII.pptx
+++ b/Docs/Shen_poster_STARSII.pptx
@@ -43510,7 +43510,7 @@
           <a:p>
             <a:fld id="{2857C562-4A18-794E-B1D4-77201B2076D7}" type="datetimeFigureOut">
               <a:rPr lang="en-US" smtClean="0"/>
-              <a:t>4/12/23</a:t>
+              <a:t>4/16/23</a:t>
             </a:fld>
             <a:endParaRPr lang="en-US"/>
           </a:p>
@@ -44020,7 +44020,7 @@
           <a:p>
             <a:fld id="{C32CC8B4-D982-5242-A5CB-BDA3DE311077}" type="datetimeFigureOut">
               <a:rPr lang="en-US" smtClean="0"/>
-              <a:t>4/12/23</a:t>
+              <a:t>4/16/23</a:t>
             </a:fld>
             <a:endParaRPr lang="en-US"/>
           </a:p>
@@ -44190,7 +44190,7 @@
           <a:p>
             <a:fld id="{C32CC8B4-D982-5242-A5CB-BDA3DE311077}" type="datetimeFigureOut">
               <a:rPr lang="en-US" smtClean="0"/>
-              <a:t>4/12/23</a:t>
+              <a:t>4/16/23</a:t>
             </a:fld>
             <a:endParaRPr lang="en-US"/>
           </a:p>
@@ -44370,7 +44370,7 @@
           <a:p>
             <a:fld id="{C32CC8B4-D982-5242-A5CB-BDA3DE311077}" type="datetimeFigureOut">
               <a:rPr lang="en-US" smtClean="0"/>
-              <a:t>4/12/23</a:t>
+              <a:t>4/16/23</a:t>
             </a:fld>
             <a:endParaRPr lang="en-US"/>
           </a:p>
@@ -44540,7 +44540,7 @@
           <a:p>
             <a:fld id="{C32CC8B4-D982-5242-A5CB-BDA3DE311077}" type="datetimeFigureOut">
               <a:rPr lang="en-US" smtClean="0"/>
-              <a:t>4/12/23</a:t>
+              <a:t>4/16/23</a:t>
             </a:fld>
             <a:endParaRPr lang="en-US"/>
           </a:p>
@@ -44784,7 +44784,7 @@
           <a:p>
             <a:fld id="{C32CC8B4-D982-5242-A5CB-BDA3DE311077}" type="datetimeFigureOut">
               <a:rPr lang="en-US" smtClean="0"/>
-              <a:t>4/12/23</a:t>
+              <a:t>4/16/23</a:t>
             </a:fld>
             <a:endParaRPr lang="en-US"/>
           </a:p>
@@ -45016,7 +45016,7 @@
           <a:p>
             <a:fld id="{C32CC8B4-D982-5242-A5CB-BDA3DE311077}" type="datetimeFigureOut">
               <a:rPr lang="en-US" smtClean="0"/>
-              <a:t>4/12/23</a:t>
+              <a:t>4/16/23</a:t>
             </a:fld>
             <a:endParaRPr lang="en-US"/>
           </a:p>
@@ -45383,7 +45383,7 @@
           <a:p>
             <a:fld id="{C32CC8B4-D982-5242-A5CB-BDA3DE311077}" type="datetimeFigureOut">
               <a:rPr lang="en-US" smtClean="0"/>
-              <a:t>4/12/23</a:t>
+              <a:t>4/16/23</a:t>
             </a:fld>
             <a:endParaRPr lang="en-US"/>
           </a:p>
@@ -45501,7 +45501,7 @@
           <a:p>
             <a:fld id="{C32CC8B4-D982-5242-A5CB-BDA3DE311077}" type="datetimeFigureOut">
               <a:rPr lang="en-US" smtClean="0"/>
-              <a:t>4/12/23</a:t>
+              <a:t>4/16/23</a:t>
             </a:fld>
             <a:endParaRPr lang="en-US"/>
           </a:p>
@@ -45596,7 +45596,7 @@
           <a:p>
             <a:fld id="{C32CC8B4-D982-5242-A5CB-BDA3DE311077}" type="datetimeFigureOut">
               <a:rPr lang="en-US" smtClean="0"/>
-              <a:t>4/12/23</a:t>
+              <a:t>4/16/23</a:t>
             </a:fld>
             <a:endParaRPr lang="en-US"/>
           </a:p>
@@ -45873,7 +45873,7 @@
           <a:p>
             <a:fld id="{C32CC8B4-D982-5242-A5CB-BDA3DE311077}" type="datetimeFigureOut">
               <a:rPr lang="en-US" smtClean="0"/>
-              <a:t>4/12/23</a:t>
+              <a:t>4/16/23</a:t>
             </a:fld>
             <a:endParaRPr lang="en-US"/>
           </a:p>
@@ -46130,7 +46130,7 @@
           <a:p>
             <a:fld id="{C32CC8B4-D982-5242-A5CB-BDA3DE311077}" type="datetimeFigureOut">
               <a:rPr lang="en-US" smtClean="0"/>
-              <a:t>4/12/23</a:t>
+              <a:t>4/16/23</a:t>
             </a:fld>
             <a:endParaRPr lang="en-US"/>
           </a:p>
@@ -46343,7 +46343,7 @@
           <a:p>
             <a:fld id="{C32CC8B4-D982-5242-A5CB-BDA3DE311077}" type="datetimeFigureOut">
               <a:rPr lang="en-US" smtClean="0"/>
-              <a:t>4/12/23</a:t>
+              <a:t>4/16/23</a:t>
             </a:fld>
             <a:endParaRPr lang="en-US"/>
           </a:p>
@@ -47601,7 +47601,7 @@
             <a:pPr algn="r"/>
             <a:r>
               <a:rPr lang="en-US" sz="4800" dirty="0"/>
-              <a:t>Yale STARS II Fellowship (2021 – 2023)	 </a:t>
+              <a:t>Yale STARS II Fellowship (2021 – 2023)	funded by the Yale College Dean’s Office  </a:t>
             </a:r>
           </a:p>
         </p:txBody>
